--- a/Lab Task/Lab Task.pptx
+++ b/Lab Task/Lab Task.pptx
@@ -9776,15 +9776,7 @@
           <a:p>
             <a:r>
               <a:rPr lang="en-GB" sz="2000" dirty="0"/>
-              <a:t>You have to ensure that the </a:t>
-            </a:r>
-            <a:r>
-              <a:rPr lang="en-GB" sz="2000"/>
-              <a:t>application can </a:t>
-            </a:r>
-            <a:r>
-              <a:rPr lang="en-GB" sz="2000" dirty="0"/>
-              <a:t>be scaled horizontally. </a:t>
+              <a:t>You have to ensure that the application can be scaled horizontally. </a:t>
             </a:r>
           </a:p>
           <a:p>
@@ -14116,7 +14108,7 @@
           <a:p>
             <a:r>
               <a:rPr lang="en-GB" sz="2000" dirty="0"/>
-              <a:t>You have to create a storage account on the Azure platform named “demofiles2080”</a:t>
+              <a:t>You have to create a storage account on the Azure platform named “demofiles2080” </a:t>
             </a:r>
           </a:p>
           <a:p>
